--- a/14.pptx
+++ b/14.pptx
@@ -261,7 +261,7 @@
           <a:p>
             <a:fld id="{B4C71EC6-210F-42DE-9C53-41977AD35B3D}" type="datetimeFigureOut">
               <a:rPr lang="ru-RU" smtClean="0"/>
-              <a:t>08.05.2019</a:t>
+              <a:t>13.05.2019</a:t>
             </a:fld>
             <a:endParaRPr lang="ru-RU"/>
           </a:p>
@@ -560,7 +560,7 @@
           <a:p>
             <a:fld id="{B4C71EC6-210F-42DE-9C53-41977AD35B3D}" type="datetimeFigureOut">
               <a:rPr lang="ru-RU" smtClean="0"/>
-              <a:t>08.05.2019</a:t>
+              <a:t>13.05.2019</a:t>
             </a:fld>
             <a:endParaRPr lang="ru-RU"/>
           </a:p>
@@ -735,7 +735,7 @@
           <a:p>
             <a:fld id="{B4C71EC6-210F-42DE-9C53-41977AD35B3D}" type="datetimeFigureOut">
               <a:rPr lang="ru-RU" smtClean="0"/>
-              <a:t>08.05.2019</a:t>
+              <a:t>13.05.2019</a:t>
             </a:fld>
             <a:endParaRPr lang="ru-RU"/>
           </a:p>
@@ -900,7 +900,7 @@
           <a:p>
             <a:fld id="{B4C71EC6-210F-42DE-9C53-41977AD35B3D}" type="datetimeFigureOut">
               <a:rPr lang="ru-RU" smtClean="0"/>
-              <a:t>08.05.2019</a:t>
+              <a:t>13.05.2019</a:t>
             </a:fld>
             <a:endParaRPr lang="ru-RU"/>
           </a:p>
@@ -1160,7 +1160,7 @@
           <a:p>
             <a:fld id="{B4C71EC6-210F-42DE-9C53-41977AD35B3D}" type="datetimeFigureOut">
               <a:rPr lang="ru-RU" smtClean="0"/>
-              <a:t>08.05.2019</a:t>
+              <a:t>13.05.2019</a:t>
             </a:fld>
             <a:endParaRPr lang="ru-RU"/>
           </a:p>
@@ -1614,7 +1614,7 @@
           <a:p>
             <a:fld id="{B4C71EC6-210F-42DE-9C53-41977AD35B3D}" type="datetimeFigureOut">
               <a:rPr lang="ru-RU" smtClean="0"/>
-              <a:t>08.05.2019</a:t>
+              <a:t>13.05.2019</a:t>
             </a:fld>
             <a:endParaRPr lang="ru-RU"/>
           </a:p>
@@ -2097,7 +2097,7 @@
           <a:p>
             <a:fld id="{B4C71EC6-210F-42DE-9C53-41977AD35B3D}" type="datetimeFigureOut">
               <a:rPr lang="ru-RU" smtClean="0"/>
-              <a:t>08.05.2019</a:t>
+              <a:t>13.05.2019</a:t>
             </a:fld>
             <a:endParaRPr lang="ru-RU"/>
           </a:p>
@@ -2215,7 +2215,7 @@
           <a:p>
             <a:fld id="{B4C71EC6-210F-42DE-9C53-41977AD35B3D}" type="datetimeFigureOut">
               <a:rPr lang="ru-RU" smtClean="0"/>
-              <a:t>08.05.2019</a:t>
+              <a:t>13.05.2019</a:t>
             </a:fld>
             <a:endParaRPr lang="ru-RU"/>
           </a:p>
@@ -2351,7 +2351,7 @@
           <a:p>
             <a:fld id="{B4C71EC6-210F-42DE-9C53-41977AD35B3D}" type="datetimeFigureOut">
               <a:rPr lang="ru-RU" smtClean="0"/>
-              <a:t>08.05.2019</a:t>
+              <a:t>13.05.2019</a:t>
             </a:fld>
             <a:endParaRPr lang="ru-RU"/>
           </a:p>
@@ -2665,7 +2665,7 @@
           <a:p>
             <a:fld id="{B4C71EC6-210F-42DE-9C53-41977AD35B3D}" type="datetimeFigureOut">
               <a:rPr lang="ru-RU" smtClean="0"/>
-              <a:t>08.05.2019</a:t>
+              <a:t>13.05.2019</a:t>
             </a:fld>
             <a:endParaRPr lang="ru-RU"/>
           </a:p>
@@ -2793,7 +2793,7 @@
           <a:p>
             <a:fld id="{B4C71EC6-210F-42DE-9C53-41977AD35B3D}" type="datetimeFigureOut">
               <a:rPr lang="ru-RU" smtClean="0"/>
-              <a:t>08.05.2019</a:t>
+              <a:t>13.05.2019</a:t>
             </a:fld>
             <a:endParaRPr lang="ru-RU"/>
           </a:p>
@@ -3552,7 +3552,7 @@
           <a:p>
             <a:fld id="{B4C71EC6-210F-42DE-9C53-41977AD35B3D}" type="datetimeFigureOut">
               <a:rPr lang="ru-RU" smtClean="0"/>
-              <a:t>08.05.2019</a:t>
+              <a:t>13.05.2019</a:t>
             </a:fld>
             <a:endParaRPr lang="ru-RU"/>
           </a:p>
